--- a/slides.pptx
+++ b/slides.pptx
@@ -1044,7 +1044,7 @@
   <p:cSld>
     <p:spTree>
       <p:nvGrpSpPr>
-        <p:cNvPr id="203" name="Shape 203"/>
+        <p:cNvPr id="202" name="Shape 202"/>
         <p:cNvGrpSpPr/>
         <p:nvPr/>
       </p:nvGrpSpPr>
@@ -1058,7 +1058,7 @@
       </p:grpSpPr>
       <p:sp>
         <p:nvSpPr>
-          <p:cNvPr id="204" name="Google Shape;204;SLIDES_API952079013_21:notes"/>
+          <p:cNvPr id="203" name="Google Shape;203;SLIDES_API952079013_21:notes"/>
           <p:cNvSpPr/>
           <p:nvPr>
             <p:ph idx="2" type="sldImg"/>
@@ -1093,7 +1093,7 @@
       </p:sp>
       <p:sp>
         <p:nvSpPr>
-          <p:cNvPr id="205" name="Google Shape;205;SLIDES_API952079013_21:notes"/>
+          <p:cNvPr id="204" name="Google Shape;204;SLIDES_API952079013_21:notes"/>
           <p:cNvSpPr txBox="1"/>
           <p:nvPr>
             <p:ph idx="1" type="body"/>
@@ -1143,7 +1143,7 @@
   <p:cSld>
     <p:spTree>
       <p:nvGrpSpPr>
-        <p:cNvPr id="213" name="Shape 213"/>
+        <p:cNvPr id="212" name="Shape 212"/>
         <p:cNvGrpSpPr/>
         <p:nvPr/>
       </p:nvGrpSpPr>
@@ -1157,7 +1157,7 @@
       </p:grpSpPr>
       <p:sp>
         <p:nvSpPr>
-          <p:cNvPr id="214" name="Google Shape;214;SLIDES_API952079013_30:notes"/>
+          <p:cNvPr id="213" name="Google Shape;213;SLIDES_API952079013_30:notes"/>
           <p:cNvSpPr/>
           <p:nvPr>
             <p:ph idx="2" type="sldImg"/>
@@ -1192,7 +1192,7 @@
       </p:sp>
       <p:sp>
         <p:nvSpPr>
-          <p:cNvPr id="215" name="Google Shape;215;SLIDES_API952079013_30:notes"/>
+          <p:cNvPr id="214" name="Google Shape;214;SLIDES_API952079013_30:notes"/>
           <p:cNvSpPr txBox="1"/>
           <p:nvPr>
             <p:ph idx="1" type="body"/>
@@ -1242,7 +1242,7 @@
   <p:cSld>
     <p:spTree>
       <p:nvGrpSpPr>
-        <p:cNvPr id="224" name="Shape 224"/>
+        <p:cNvPr id="223" name="Shape 223"/>
         <p:cNvGrpSpPr/>
         <p:nvPr/>
       </p:nvGrpSpPr>
@@ -1256,7 +1256,7 @@
       </p:grpSpPr>
       <p:sp>
         <p:nvSpPr>
-          <p:cNvPr id="225" name="Google Shape;225;SLIDES_API952079013_40:notes"/>
+          <p:cNvPr id="224" name="Google Shape;224;SLIDES_API952079013_40:notes"/>
           <p:cNvSpPr/>
           <p:nvPr>
             <p:ph idx="2" type="sldImg"/>
@@ -1291,7 +1291,7 @@
       </p:sp>
       <p:sp>
         <p:nvSpPr>
-          <p:cNvPr id="226" name="Google Shape;226;SLIDES_API952079013_40:notes"/>
+          <p:cNvPr id="225" name="Google Shape;225;SLIDES_API952079013_40:notes"/>
           <p:cNvSpPr txBox="1"/>
           <p:nvPr>
             <p:ph idx="1" type="body"/>
@@ -1341,7 +1341,7 @@
   <p:cSld>
     <p:spTree>
       <p:nvGrpSpPr>
-        <p:cNvPr id="233" name="Shape 233"/>
+        <p:cNvPr id="232" name="Shape 232"/>
         <p:cNvGrpSpPr/>
         <p:nvPr/>
       </p:nvGrpSpPr>
@@ -1355,7 +1355,7 @@
       </p:grpSpPr>
       <p:sp>
         <p:nvSpPr>
-          <p:cNvPr id="234" name="Google Shape;234;SLIDES_API952079013_48:notes"/>
+          <p:cNvPr id="233" name="Google Shape;233;SLIDES_API952079013_48:notes"/>
           <p:cNvSpPr/>
           <p:nvPr>
             <p:ph idx="2" type="sldImg"/>
@@ -1390,7 +1390,7 @@
       </p:sp>
       <p:sp>
         <p:nvSpPr>
-          <p:cNvPr id="235" name="Google Shape;235;SLIDES_API952079013_48:notes"/>
+          <p:cNvPr id="234" name="Google Shape;234;SLIDES_API952079013_48:notes"/>
           <p:cNvSpPr txBox="1"/>
           <p:nvPr>
             <p:ph idx="1" type="body"/>
@@ -1440,7 +1440,7 @@
   <p:cSld>
     <p:spTree>
       <p:nvGrpSpPr>
-        <p:cNvPr id="241" name="Shape 241"/>
+        <p:cNvPr id="240" name="Shape 240"/>
         <p:cNvGrpSpPr/>
         <p:nvPr/>
       </p:nvGrpSpPr>
@@ -1454,7 +1454,7 @@
       </p:grpSpPr>
       <p:sp>
         <p:nvSpPr>
-          <p:cNvPr id="242" name="Google Shape;242;SLIDES_API952079013_55:notes"/>
+          <p:cNvPr id="241" name="Google Shape;241;SLIDES_API952079013_55:notes"/>
           <p:cNvSpPr/>
           <p:nvPr>
             <p:ph idx="2" type="sldImg"/>
@@ -1489,7 +1489,7 @@
       </p:sp>
       <p:sp>
         <p:nvSpPr>
-          <p:cNvPr id="243" name="Google Shape;243;SLIDES_API952079013_55:notes"/>
+          <p:cNvPr id="242" name="Google Shape;242;SLIDES_API952079013_55:notes"/>
           <p:cNvSpPr txBox="1"/>
           <p:nvPr>
             <p:ph idx="1" type="body"/>
@@ -1539,7 +1539,7 @@
   <p:cSld>
     <p:spTree>
       <p:nvGrpSpPr>
-        <p:cNvPr id="251" name="Shape 251"/>
+        <p:cNvPr id="249" name="Shape 249"/>
         <p:cNvGrpSpPr/>
         <p:nvPr/>
       </p:nvGrpSpPr>
@@ -1553,7 +1553,7 @@
       </p:grpSpPr>
       <p:sp>
         <p:nvSpPr>
-          <p:cNvPr id="252" name="Google Shape;252;SLIDES_API952079013_72:notes"/>
+          <p:cNvPr id="250" name="Google Shape;250;SLIDES_API952079013_72:notes"/>
           <p:cNvSpPr/>
           <p:nvPr>
             <p:ph idx="2" type="sldImg"/>
@@ -1588,7 +1588,7 @@
       </p:sp>
       <p:sp>
         <p:nvSpPr>
-          <p:cNvPr id="253" name="Google Shape;253;SLIDES_API952079013_72:notes"/>
+          <p:cNvPr id="251" name="Google Shape;251;SLIDES_API952079013_72:notes"/>
           <p:cNvSpPr txBox="1"/>
           <p:nvPr>
             <p:ph idx="1" type="body"/>
@@ -20056,36 +20056,9 @@
           <a:chExt cx="0" cy="0"/>
         </a:xfrm>
       </p:grpSpPr>
-      <p:pic>
-        <p:nvPicPr>
-          <p:cNvPr id="199" name="Google Shape;199;p31"/>
-          <p:cNvPicPr preferRelativeResize="0"/>
-          <p:nvPr>
-            <p:ph idx="2" type="pic"/>
-          </p:nvPr>
-        </p:nvPicPr>
-        <p:blipFill rotWithShape="1">
-          <a:blip r:embed="rId3">
-            <a:alphaModFix/>
-          </a:blip>
-          <a:srcRect b="0" l="31885" r="31881" t="0"/>
-          <a:stretch/>
-        </p:blipFill>
-        <p:spPr>
-          <a:xfrm>
-            <a:off x="5711758" y="0"/>
-            <a:ext cx="3432300" cy="5143500"/>
-          </a:xfrm>
-          <a:prstGeom prst="roundRect">
-            <a:avLst>
-              <a:gd fmla="val 16667" name="adj"/>
-            </a:avLst>
-          </a:prstGeom>
-        </p:spPr>
-      </p:pic>
       <p:sp>
         <p:nvSpPr>
-          <p:cNvPr id="200" name="Google Shape;200;p31"/>
+          <p:cNvPr id="199" name="Google Shape;199;p31"/>
           <p:cNvSpPr txBox="1"/>
           <p:nvPr>
             <p:ph type="title"/>
@@ -20133,7 +20106,7 @@
       </p:sp>
       <p:sp>
         <p:nvSpPr>
-          <p:cNvPr id="201" name="Google Shape;201;p31"/>
+          <p:cNvPr id="200" name="Google Shape;200;p31"/>
           <p:cNvSpPr txBox="1"/>
           <p:nvPr>
             <p:ph idx="1" type="subTitle"/>
@@ -20250,12 +20223,12 @@
       </p:sp>
       <p:pic>
         <p:nvPicPr>
-          <p:cNvPr id="202" name="Google Shape;202;p31"/>
+          <p:cNvPr id="201" name="Google Shape;201;p31"/>
           <p:cNvPicPr preferRelativeResize="0"/>
           <p:nvPr/>
         </p:nvPicPr>
         <p:blipFill>
-          <a:blip r:embed="rId4">
+          <a:blip r:embed="rId3">
             <a:alphaModFix/>
           </a:blip>
           <a:stretch>
@@ -20296,7 +20269,7 @@
     </p:bg>
     <p:spTree>
       <p:nvGrpSpPr>
-        <p:cNvPr id="206" name="Shape 206"/>
+        <p:cNvPr id="205" name="Shape 205"/>
         <p:cNvGrpSpPr/>
         <p:nvPr/>
       </p:nvGrpSpPr>
@@ -20310,7 +20283,7 @@
       </p:grpSpPr>
       <p:pic>
         <p:nvPicPr>
-          <p:cNvPr id="207" name="Google Shape;207;p32"/>
+          <p:cNvPr id="206" name="Google Shape;206;p32"/>
           <p:cNvPicPr preferRelativeResize="0"/>
           <p:nvPr>
             <p:ph idx="2" type="pic"/>
@@ -20337,7 +20310,7 @@
       </p:pic>
       <p:sp>
         <p:nvSpPr>
-          <p:cNvPr id="208" name="Google Shape;208;p32"/>
+          <p:cNvPr id="207" name="Google Shape;207;p32"/>
           <p:cNvSpPr txBox="1"/>
           <p:nvPr>
             <p:ph type="title"/>
@@ -20385,7 +20358,7 @@
       </p:sp>
       <p:sp>
         <p:nvSpPr>
-          <p:cNvPr id="209" name="Google Shape;209;p32"/>
+          <p:cNvPr id="208" name="Google Shape;208;p32"/>
           <p:cNvSpPr txBox="1"/>
           <p:nvPr>
             <p:ph idx="1" type="subTitle"/>
@@ -20441,7 +20414,7 @@
       </p:sp>
       <p:sp>
         <p:nvSpPr>
-          <p:cNvPr id="210" name="Google Shape;210;p32"/>
+          <p:cNvPr id="209" name="Google Shape;209;p32"/>
           <p:cNvSpPr txBox="1"/>
           <p:nvPr>
             <p:ph idx="3" type="subTitle"/>
@@ -20497,7 +20470,7 @@
       </p:sp>
       <p:sp>
         <p:nvSpPr>
-          <p:cNvPr id="211" name="Google Shape;211;p32"/>
+          <p:cNvPr id="210" name="Google Shape;210;p32"/>
           <p:cNvSpPr txBox="1"/>
           <p:nvPr>
             <p:ph idx="4" type="subTitle"/>
@@ -20553,7 +20526,7 @@
       </p:sp>
       <p:pic>
         <p:nvPicPr>
-          <p:cNvPr id="212" name="Google Shape;212;p32"/>
+          <p:cNvPr id="211" name="Google Shape;211;p32"/>
           <p:cNvPicPr preferRelativeResize="0"/>
           <p:nvPr/>
         </p:nvPicPr>
@@ -20599,7 +20572,7 @@
     </p:bg>
     <p:spTree>
       <p:nvGrpSpPr>
-        <p:cNvPr id="216" name="Shape 216"/>
+        <p:cNvPr id="215" name="Shape 215"/>
         <p:cNvGrpSpPr/>
         <p:nvPr/>
       </p:nvGrpSpPr>
@@ -20613,7 +20586,7 @@
       </p:grpSpPr>
       <p:sp>
         <p:nvSpPr>
-          <p:cNvPr id="217" name="Google Shape;217;p33"/>
+          <p:cNvPr id="216" name="Google Shape;216;p33"/>
           <p:cNvSpPr txBox="1"/>
           <p:nvPr>
             <p:ph idx="1" type="subTitle"/>
@@ -20669,7 +20642,7 @@
       </p:sp>
       <p:sp>
         <p:nvSpPr>
-          <p:cNvPr id="218" name="Google Shape;218;p33"/>
+          <p:cNvPr id="217" name="Google Shape;217;p33"/>
           <p:cNvSpPr txBox="1"/>
           <p:nvPr>
             <p:ph idx="2" type="subTitle"/>
@@ -20725,7 +20698,7 @@
       </p:sp>
       <p:sp>
         <p:nvSpPr>
-          <p:cNvPr id="219" name="Google Shape;219;p33"/>
+          <p:cNvPr id="218" name="Google Shape;218;p33"/>
           <p:cNvSpPr txBox="1"/>
           <p:nvPr>
             <p:ph idx="3" type="subTitle"/>
@@ -20781,7 +20754,7 @@
       </p:sp>
       <p:sp>
         <p:nvSpPr>
-          <p:cNvPr id="220" name="Google Shape;220;p33"/>
+          <p:cNvPr id="219" name="Google Shape;219;p33"/>
           <p:cNvSpPr txBox="1"/>
           <p:nvPr>
             <p:ph idx="4" type="subTitle"/>
@@ -20837,7 +20810,7 @@
       </p:sp>
       <p:sp>
         <p:nvSpPr>
-          <p:cNvPr id="221" name="Google Shape;221;p33"/>
+          <p:cNvPr id="220" name="Google Shape;220;p33"/>
           <p:cNvSpPr txBox="1"/>
           <p:nvPr>
             <p:ph type="title"/>
@@ -20885,7 +20858,7 @@
       </p:sp>
       <p:sp>
         <p:nvSpPr>
-          <p:cNvPr id="222" name="Google Shape;222;p33"/>
+          <p:cNvPr id="221" name="Google Shape;221;p33"/>
           <p:cNvSpPr txBox="1"/>
           <p:nvPr>
             <p:ph idx="5" type="subTitle"/>
@@ -20941,7 +20914,7 @@
       </p:sp>
       <p:pic>
         <p:nvPicPr>
-          <p:cNvPr id="223" name="Google Shape;223;p33"/>
+          <p:cNvPr id="222" name="Google Shape;222;p33"/>
           <p:cNvPicPr preferRelativeResize="0"/>
           <p:nvPr/>
         </p:nvPicPr>
@@ -20987,7 +20960,7 @@
     </p:bg>
     <p:spTree>
       <p:nvGrpSpPr>
-        <p:cNvPr id="227" name="Shape 227"/>
+        <p:cNvPr id="226" name="Shape 226"/>
         <p:cNvGrpSpPr/>
         <p:nvPr/>
       </p:nvGrpSpPr>
@@ -21001,7 +20974,7 @@
       </p:grpSpPr>
       <p:sp>
         <p:nvSpPr>
-          <p:cNvPr id="228" name="Google Shape;228;p34"/>
+          <p:cNvPr id="227" name="Google Shape;227;p34"/>
           <p:cNvSpPr txBox="1"/>
           <p:nvPr>
             <p:ph idx="1" type="subTitle"/>
@@ -21057,7 +21030,7 @@
       </p:sp>
       <p:sp>
         <p:nvSpPr>
-          <p:cNvPr id="229" name="Google Shape;229;p34"/>
+          <p:cNvPr id="228" name="Google Shape;228;p34"/>
           <p:cNvSpPr txBox="1"/>
           <p:nvPr>
             <p:ph type="title"/>
@@ -21105,7 +21078,7 @@
       </p:sp>
       <p:sp>
         <p:nvSpPr>
-          <p:cNvPr id="230" name="Google Shape;230;p34"/>
+          <p:cNvPr id="229" name="Google Shape;229;p34"/>
           <p:cNvSpPr txBox="1"/>
           <p:nvPr>
             <p:ph idx="2" type="subTitle"/>
@@ -21161,7 +21134,7 @@
       </p:sp>
       <p:sp>
         <p:nvSpPr>
-          <p:cNvPr id="231" name="Google Shape;231;p34"/>
+          <p:cNvPr id="230" name="Google Shape;230;p34"/>
           <p:cNvSpPr txBox="1"/>
           <p:nvPr>
             <p:ph idx="3" type="subTitle"/>
@@ -21217,7 +21190,7 @@
       </p:sp>
       <p:pic>
         <p:nvPicPr>
-          <p:cNvPr id="232" name="Google Shape;232;p34"/>
+          <p:cNvPr id="231" name="Google Shape;231;p34"/>
           <p:cNvPicPr preferRelativeResize="0"/>
           <p:nvPr/>
         </p:nvPicPr>
@@ -21263,7 +21236,7 @@
     </p:bg>
     <p:spTree>
       <p:nvGrpSpPr>
-        <p:cNvPr id="236" name="Shape 236"/>
+        <p:cNvPr id="235" name="Shape 235"/>
         <p:cNvGrpSpPr/>
         <p:nvPr/>
       </p:nvGrpSpPr>
@@ -21277,7 +21250,7 @@
       </p:grpSpPr>
       <p:pic>
         <p:nvPicPr>
-          <p:cNvPr id="237" name="Google Shape;237;p35"/>
+          <p:cNvPr id="236" name="Google Shape;236;p35"/>
           <p:cNvPicPr preferRelativeResize="0"/>
           <p:nvPr>
             <p:ph idx="2" type="pic"/>
@@ -21304,7 +21277,7 @@
       </p:pic>
       <p:sp>
         <p:nvSpPr>
-          <p:cNvPr id="238" name="Google Shape;238;p35"/>
+          <p:cNvPr id="237" name="Google Shape;237;p35"/>
           <p:cNvSpPr txBox="1"/>
           <p:nvPr>
             <p:ph type="title"/>
@@ -21352,7 +21325,7 @@
       </p:sp>
       <p:sp>
         <p:nvSpPr>
-          <p:cNvPr id="239" name="Google Shape;239;p35"/>
+          <p:cNvPr id="238" name="Google Shape;238;p35"/>
           <p:cNvSpPr txBox="1"/>
           <p:nvPr>
             <p:ph idx="1" type="subTitle"/>
@@ -21407,7 +21380,7 @@
       </p:sp>
       <p:pic>
         <p:nvPicPr>
-          <p:cNvPr id="240" name="Google Shape;240;p35"/>
+          <p:cNvPr id="239" name="Google Shape;239;p35"/>
           <p:cNvPicPr preferRelativeResize="0"/>
           <p:nvPr/>
         </p:nvPicPr>
@@ -21453,7 +21426,7 @@
     </p:bg>
     <p:spTree>
       <p:nvGrpSpPr>
-        <p:cNvPr id="244" name="Shape 244"/>
+        <p:cNvPr id="243" name="Shape 243"/>
         <p:cNvGrpSpPr/>
         <p:nvPr/>
       </p:nvGrpSpPr>
@@ -21465,36 +21438,9 @@
           <a:chExt cx="0" cy="0"/>
         </a:xfrm>
       </p:grpSpPr>
-      <p:pic>
-        <p:nvPicPr>
-          <p:cNvPr id="245" name="Google Shape;245;p36"/>
-          <p:cNvPicPr preferRelativeResize="0"/>
-          <p:nvPr>
-            <p:ph idx="2" type="pic"/>
-          </p:nvPr>
-        </p:nvPicPr>
-        <p:blipFill rotWithShape="1">
-          <a:blip r:embed="rId3">
-            <a:alphaModFix/>
-          </a:blip>
-          <a:srcRect b="0" l="27767" r="27762" t="0"/>
-          <a:stretch/>
-        </p:blipFill>
-        <p:spPr>
-          <a:xfrm>
-            <a:off x="5711663" y="100"/>
-            <a:ext cx="3432300" cy="5143500"/>
-          </a:xfrm>
-          <a:prstGeom prst="roundRect">
-            <a:avLst>
-              <a:gd fmla="val 16667" name="adj"/>
-            </a:avLst>
-          </a:prstGeom>
-        </p:spPr>
-      </p:pic>
       <p:sp>
         <p:nvSpPr>
-          <p:cNvPr id="246" name="Google Shape;246;p36"/>
+          <p:cNvPr id="244" name="Google Shape;244;p36"/>
           <p:cNvSpPr txBox="1"/>
           <p:nvPr>
             <p:ph type="title"/>
@@ -21542,7 +21488,7 @@
       </p:sp>
       <p:sp>
         <p:nvSpPr>
-          <p:cNvPr id="247" name="Google Shape;247;p36"/>
+          <p:cNvPr id="245" name="Google Shape;245;p36"/>
           <p:cNvSpPr txBox="1"/>
           <p:nvPr>
             <p:ph idx="1" type="subTitle"/>
@@ -21598,7 +21544,7 @@
       </p:sp>
       <p:sp>
         <p:nvSpPr>
-          <p:cNvPr id="248" name="Google Shape;248;p36"/>
+          <p:cNvPr id="246" name="Google Shape;246;p36"/>
           <p:cNvSpPr txBox="1"/>
           <p:nvPr>
             <p:ph idx="3" type="subTitle"/>
@@ -21654,7 +21600,7 @@
       </p:sp>
       <p:sp>
         <p:nvSpPr>
-          <p:cNvPr id="249" name="Google Shape;249;p36"/>
+          <p:cNvPr id="247" name="Google Shape;247;p36"/>
           <p:cNvSpPr txBox="1"/>
           <p:nvPr>
             <p:ph idx="4" type="subTitle"/>
@@ -21710,12 +21656,12 @@
       </p:sp>
       <p:pic>
         <p:nvPicPr>
-          <p:cNvPr id="250" name="Google Shape;250;p36"/>
+          <p:cNvPr id="248" name="Google Shape;248;p36"/>
           <p:cNvPicPr preferRelativeResize="0"/>
           <p:nvPr/>
         </p:nvPicPr>
         <p:blipFill>
-          <a:blip r:embed="rId4">
+          <a:blip r:embed="rId3">
             <a:alphaModFix/>
           </a:blip>
           <a:stretch>
@@ -21756,7 +21702,7 @@
     </p:bg>
     <p:spTree>
       <p:nvGrpSpPr>
-        <p:cNvPr id="254" name="Shape 254"/>
+        <p:cNvPr id="252" name="Shape 252"/>
         <p:cNvGrpSpPr/>
         <p:nvPr/>
       </p:nvGrpSpPr>
@@ -21770,7 +21716,7 @@
       </p:grpSpPr>
       <p:sp>
         <p:nvSpPr>
-          <p:cNvPr id="255" name="Google Shape;255;p37"/>
+          <p:cNvPr id="253" name="Google Shape;253;p37"/>
           <p:cNvSpPr txBox="1"/>
           <p:nvPr>
             <p:ph type="title"/>
@@ -21818,7 +21764,7 @@
       </p:sp>
       <p:pic>
         <p:nvPicPr>
-          <p:cNvPr id="256" name="Google Shape;256;p37"/>
+          <p:cNvPr id="254" name="Google Shape;254;p37"/>
           <p:cNvPicPr preferRelativeResize="0"/>
           <p:nvPr/>
         </p:nvPicPr>
@@ -21853,38 +21799,38 @@
 </file>
 
 <file path=ppt/theme/theme1.xml><?xml version="1.0" encoding="utf-8"?>
-<a:theme xmlns:a="http://schemas.openxmlformats.org/drawingml/2006/main" xmlns:r="http://schemas.openxmlformats.org/officeDocument/2006/relationships" name="Simple Light">
+<a:theme xmlns:a="http://schemas.openxmlformats.org/drawingml/2006/main" xmlns:r="http://schemas.openxmlformats.org/officeDocument/2006/relationships" name="SlidesAI Regular - v1">
   <a:themeElements>
     <a:clrScheme name="Simple Light">
       <a:dk1>
-        <a:srgbClr val="000000"/>
+        <a:srgbClr val="0F2B36"/>
       </a:dk1>
       <a:lt1>
         <a:srgbClr val="FFFFFF"/>
       </a:lt1>
       <a:dk2>
-        <a:srgbClr val="595959"/>
+        <a:srgbClr val="134D57"/>
       </a:dk2>
       <a:lt2>
-        <a:srgbClr val="EEEEEE"/>
+        <a:srgbClr val="EFEFEF"/>
       </a:lt2>
       <a:accent1>
-        <a:srgbClr val="4285F4"/>
+        <a:srgbClr val="F9744D"/>
       </a:accent1>
       <a:accent2>
-        <a:srgbClr val="212121"/>
+        <a:srgbClr val="E1F0C4"/>
       </a:accent2>
       <a:accent3>
-        <a:srgbClr val="78909C"/>
+        <a:srgbClr val="6BAB90"/>
       </a:accent3>
       <a:accent4>
-        <a:srgbClr val="FFAB40"/>
+        <a:srgbClr val="A4CCBB"/>
       </a:accent4>
       <a:accent5>
-        <a:srgbClr val="0097A7"/>
+        <a:srgbClr val="3EABCA"/>
       </a:accent5>
       <a:accent6>
-        <a:srgbClr val="EEFF41"/>
+        <a:srgbClr val="C3455B"/>
       </a:accent6>
       <a:hlink>
         <a:srgbClr val="0097A7"/>
@@ -22411,38 +22357,38 @@
 </file>
 
 <file path=ppt/theme/theme3.xml><?xml version="1.0" encoding="utf-8"?>
-<a:theme xmlns:a="http://schemas.openxmlformats.org/drawingml/2006/main" xmlns:r="http://schemas.openxmlformats.org/officeDocument/2006/relationships" name="SlidesAI Regular - v1">
+<a:theme xmlns:a="http://schemas.openxmlformats.org/drawingml/2006/main" xmlns:r="http://schemas.openxmlformats.org/officeDocument/2006/relationships" name="Simple Light">
   <a:themeElements>
     <a:clrScheme name="Simple Light">
       <a:dk1>
-        <a:srgbClr val="0F2B36"/>
+        <a:srgbClr val="000000"/>
       </a:dk1>
       <a:lt1>
         <a:srgbClr val="FFFFFF"/>
       </a:lt1>
       <a:dk2>
-        <a:srgbClr val="134D57"/>
+        <a:srgbClr val="595959"/>
       </a:dk2>
       <a:lt2>
-        <a:srgbClr val="EFEFEF"/>
+        <a:srgbClr val="EEEEEE"/>
       </a:lt2>
       <a:accent1>
-        <a:srgbClr val="F9744D"/>
+        <a:srgbClr val="4285F4"/>
       </a:accent1>
       <a:accent2>
-        <a:srgbClr val="E1F0C4"/>
+        <a:srgbClr val="212121"/>
       </a:accent2>
       <a:accent3>
-        <a:srgbClr val="6BAB90"/>
+        <a:srgbClr val="78909C"/>
       </a:accent3>
       <a:accent4>
-        <a:srgbClr val="A4CCBB"/>
+        <a:srgbClr val="FFAB40"/>
       </a:accent4>
       <a:accent5>
-        <a:srgbClr val="3EABCA"/>
+        <a:srgbClr val="0097A7"/>
       </a:accent5>
       <a:accent6>
-        <a:srgbClr val="C3455B"/>
+        <a:srgbClr val="EEFF41"/>
       </a:accent6>
       <a:hlink>
         <a:srgbClr val="0097A7"/>
